--- a/1_콘셉트 디자인 문서/콘셉트 디자인 문서.pptx
+++ b/1_콘셉트 디자인 문서/콘셉트 디자인 문서.pptx
@@ -2,8 +2,8 @@
 <file path=ppt/presentation.xml><?xml version="1.0" encoding="utf-8"?>
 <p:presentation xmlns:r="http://schemas.openxmlformats.org/officeDocument/2006/relationships" xmlns:c="http://schemas.openxmlformats.org/drawingml/2006/chart" xmlns:a="http://schemas.openxmlformats.org/drawingml/2006/main" xmlns:dgm="http://schemas.openxmlformats.org/drawingml/2006/diagram" xmlns:dsp="http://schemas.microsoft.com/office/drawing/2008/diagram" xmlns:p="http://schemas.openxmlformats.org/presentationml/2006/main" showSpecialPlsOnTitleSld="0">
   <p:sldMasterIdLst>
-    <p:sldMasterId id="2147483752" r:id="rId1"/>
-    <p:sldMasterId id="2147483753" r:id="rId2"/>
+    <p:sldMasterId id="2147483744" r:id="rId1"/>
+    <p:sldMasterId id="2147483745" r:id="rId2"/>
   </p:sldMasterIdLst>
   <p:notesMasterIdLst>
     <p:notesMasterId r:id="rId3"/>
@@ -17,7 +17,6 @@
     <p:sldId id="261" r:id="rId9"/>
     <p:sldId id="262" r:id="rId10"/>
     <p:sldId id="263" r:id="rId11"/>
-    <p:sldId id="264" r:id="rId12"/>
   </p:sldIdLst>
   <p:sldSz cx="12186584" cy="6855173"/>
   <p:notesSz cx="6858000" cy="9144000"/>
@@ -214,7 +213,7 @@
               <a:pPr lvl="0">
                 <a:defRPr/>
               </a:pPr>
-              <a:t>2022-10-16</a:t>
+              <a:t>2023-09-11</a:t>
             </a:fld>
             <a:endParaRPr lang="ko-KR" altLang="en-US"/>
           </a:p>
@@ -8091,7 +8090,7 @@
                 <a:ea typeface="바탕"/>
                 <a:sym typeface="Arial"/>
               </a:rPr>
-              <a:t>	17122236 박경택</a:t>
+              <a:t>	 박경택</a:t>
             </a:r>
             <a:endParaRPr xmlns:mc="http://schemas.openxmlformats.org/markup-compatibility/2006" xmlns:hp="http://schemas.haansoft.com/office/presentation/8.0" kumimoji="0" lang="ko-KR" altLang="en-US" sz="2400" b="0" i="0" mc:Ignorable="hp" hp:hslEmbossed="0">
               <a:solidFill>
@@ -10863,316 +10862,6 @@
               </a:rPr>
               <a:t>맨날 피하기만 하다 적들에게 실증을 느껴 적을 사살하는 닷지(player)</a:t>
             </a:r>
-            <a:endParaRPr xmlns:mc="http://schemas.openxmlformats.org/markup-compatibility/2006" xmlns:hp="http://schemas.haansoft.com/office/presentation/8.0" kumimoji="1" lang="ko-KR" altLang="en-US" sz="2800" b="0" i="0" baseline="0" mc:Ignorable="hp" hp:hslEmbossed="0">
-              <a:solidFill>
-                <a:srgbClr val="000000">
-                  <a:alpha val="100000"/>
-                </a:srgbClr>
-              </a:solidFill>
-              <a:latin typeface="Tahoma"/>
-              <a:ea typeface="함초롬돋움"/>
-            </a:endParaRPr>
-          </a:p>
-          <a:p>
-            <a:pPr marL="263559" lvl="0" indent="-263559" algn="l" defTabSz="1028836" rtl="0" eaLnBrk="1" latinLnBrk="1" hangingPunct="1">
-              <a:lnSpc>
-                <a:spcPct val="100000"/>
-              </a:lnSpc>
-              <a:spcBef>
-                <a:spcPct val="20000"/>
-              </a:spcBef>
-              <a:spcAft>
-                <a:spcPct val="0"/>
-              </a:spcAft>
-              <a:buClr>
-                <a:srgbClr val="262626">
-                  <a:alpha val="100000"/>
-                </a:srgbClr>
-              </a:buClr>
-              <a:buSzPct val="70000"/>
-              <a:buFont typeface="Wingdings"/>
-              <a:buChar char="l"/>
-              <a:defRPr/>
-            </a:pPr>
-            <a:endParaRPr xmlns:mc="http://schemas.openxmlformats.org/markup-compatibility/2006" xmlns:hp="http://schemas.haansoft.com/office/presentation/8.0" kumimoji="1" lang="ko-KR" altLang="en-US" sz="2800" b="0" i="0" mc:Ignorable="hp" hp:hslEmbossed="0">
-              <a:solidFill>
-                <a:srgbClr val="000000">
-                  <a:alpha val="100000"/>
-                </a:srgbClr>
-              </a:solidFill>
-              <a:latin typeface="Tahoma"/>
-              <a:ea typeface="함초롬돋움"/>
-            </a:endParaRPr>
-          </a:p>
-        </p:txBody>
-      </p:sp>
-    </p:spTree>
-  </p:cSld>
-  <p:clrMapOvr>
-    <a:masterClrMapping/>
-  </p:clrMapOvr>
-  <mc:AlternateContent xmlns:mc="http://schemas.openxmlformats.org/markup-compatibility/2006">
-    <mc:Choice xmlns:p14="http://schemas.microsoft.com/office/powerpoint/2010/main" Requires="p14">
-      <p:transition xmlns:mc="http://schemas.openxmlformats.org/markup-compatibility/2006" xmlns:p14="http://schemas.microsoft.com/office/powerpoint/2010/main" mc:Ignorable="p14" p14:dur="500"/>
-    </mc:Choice>
-    <mc:Fallback>
-      <p:transition/>
-    </mc:Fallback>
-  </mc:AlternateContent>
-</p:sld>
-</file>
-
-<file path=ppt/slides/slide9.xml><?xml version="1.0" encoding="utf-8"?>
-<p:sld xmlns:r="http://schemas.openxmlformats.org/officeDocument/2006/relationships" xmlns:c="http://schemas.openxmlformats.org/drawingml/2006/chart" xmlns:a="http://schemas.openxmlformats.org/drawingml/2006/main" xmlns:dgm="http://schemas.openxmlformats.org/drawingml/2006/diagram" xmlns:dsp="http://schemas.microsoft.com/office/drawing/2008/diagram" xmlns:p="http://schemas.openxmlformats.org/presentationml/2006/main">
-  <p:cSld>
-    <p:spTree>
-      <p:nvGrpSpPr>
-        <p:cNvPr id="1" name=""/>
-        <p:cNvGrpSpPr/>
-        <p:nvPr/>
-      </p:nvGrpSpPr>
-      <p:grpSpPr>
-        <a:xfrm>
-          <a:off x="0" y="0"/>
-          <a:ext cx="0" cy="0"/>
-          <a:chOff x="0" y="0"/>
-          <a:chExt cx="0" cy="0"/>
-        </a:xfrm>
-      </p:grpSpPr>
-      <p:sp>
-        <p:nvSpPr>
-          <p:cNvPr id="11268" name="제목 1"/>
-          <p:cNvSpPr>
-            <a:spLocks noGrp="1"/>
-          </p:cNvSpPr>
-          <p:nvPr>
-            <p:ph type="title" idx="0"/>
-          </p:nvPr>
-        </p:nvSpPr>
-        <p:spPr>
-          <a:xfrm>
-            <a:off x="607908" y="176160"/>
-            <a:ext cx="10970766" cy="736512"/>
-          </a:xfrm>
-          <a:noFill/>
-          <a:ln w="9525" cap="flat" cmpd="sng" algn="ctr">
-            <a:noFill/>
-            <a:prstDash val="solid"/>
-            <a:round/>
-            <a:headEnd w="med" len="med"/>
-            <a:tailEnd w="med" len="med"/>
-          </a:ln>
-        </p:spPr>
-        <p:txBody>
-          <a:bodyPr vert="horz" wrap="square" lIns="91440" tIns="45720" rIns="91440" bIns="45720" anchor="ctr">
-            <a:noAutofit/>
-          </a:bodyPr>
-          <a:lstStyle/>
-          <a:p>
-            <a:pPr marL="0" lvl="0" indent="0" algn="l" defTabSz="1028836" rtl="0" eaLnBrk="1" latinLnBrk="1" hangingPunct="1">
-              <a:lnSpc>
-                <a:spcPct val="100000"/>
-              </a:lnSpc>
-              <a:spcBef>
-                <a:spcPct val="0"/>
-              </a:spcBef>
-              <a:spcAft>
-                <a:spcPct val="0"/>
-              </a:spcAft>
-              <a:buNone/>
-              <a:defRPr/>
-            </a:pPr>
-            <a:r>
-              <a:rPr xmlns:mc="http://schemas.openxmlformats.org/markup-compatibility/2006" xmlns:hp="http://schemas.haansoft.com/office/presentation/8.0" kumimoji="0" lang="ko-KR" altLang="en-US" sz="3600" b="0" i="0" baseline="0" mc:Ignorable="hp" hp:hslEmbossed="0">
-                <a:solidFill>
-                  <a:srgbClr val="ffffff">
-                    <a:alpha val="100000"/>
-                  </a:srgbClr>
-                </a:solidFill>
-                <a:latin typeface="Arial"/>
-                <a:ea typeface="HY울릉도B"/>
-                <a:sym typeface="Arial"/>
-              </a:rPr>
-              <a:t>2. 게임 시스템 - 주요 게임 시스템</a:t>
-            </a:r>
-            <a:endParaRPr xmlns:mc="http://schemas.openxmlformats.org/markup-compatibility/2006" xmlns:hp="http://schemas.haansoft.com/office/presentation/8.0" kumimoji="0" lang="ko-KR" altLang="en-US" sz="3600" b="0" i="0" mc:Ignorable="hp" hp:hslEmbossed="0">
-              <a:solidFill>
-                <a:srgbClr val="ffffff">
-                  <a:alpha val="100000"/>
-                </a:srgbClr>
-              </a:solidFill>
-              <a:latin typeface="Arial"/>
-              <a:ea typeface="HY울릉도B"/>
-              <a:sym typeface="Arial"/>
-            </a:endParaRPr>
-          </a:p>
-        </p:txBody>
-      </p:sp>
-      <p:sp>
-        <p:nvSpPr>
-          <p:cNvPr id="11269" name=""/>
-          <p:cNvSpPr txBox="1"/>
-          <p:nvPr/>
-        </p:nvSpPr>
-        <p:spPr>
-          <a:xfrm>
-            <a:off x="607908" y="1280900"/>
-            <a:ext cx="10970766" cy="4855231"/>
-          </a:xfrm>
-          <a:prstGeom prst="rect">
-            <a:avLst/>
-          </a:prstGeom>
-          <a:noFill/>
-          <a:ln w="9525" cap="flat" cmpd="sng" algn="ctr">
-            <a:noFill/>
-            <a:prstDash val="solid"/>
-            <a:round/>
-            <a:headEnd w="med" len="med"/>
-            <a:tailEnd w="med" len="med"/>
-          </a:ln>
-        </p:spPr>
-        <p:txBody>
-          <a:bodyPr vert="horz" wrap="square" lIns="91440" tIns="45720" rIns="91440" bIns="45720" anchor="t">
-            <a:noAutofit/>
-          </a:bodyPr>
-          <a:p>
-            <a:pPr marL="263559" lvl="0" indent="-263559" algn="l" defTabSz="1028836" rtl="0" eaLnBrk="1" latinLnBrk="1" hangingPunct="1">
-              <a:lnSpc>
-                <a:spcPct val="100000"/>
-              </a:lnSpc>
-              <a:spcBef>
-                <a:spcPct val="20000"/>
-              </a:spcBef>
-              <a:spcAft>
-                <a:spcPct val="0"/>
-              </a:spcAft>
-              <a:buClr>
-                <a:srgbClr val="262626">
-                  <a:alpha val="100000"/>
-                </a:srgbClr>
-              </a:buClr>
-              <a:buSzPct val="70000"/>
-              <a:buFont typeface="Wingdings"/>
-              <a:buChar char="l"/>
-              <a:defRPr/>
-            </a:pPr>
-            <a:endParaRPr xmlns:mc="http://schemas.openxmlformats.org/markup-compatibility/2006" xmlns:hp="http://schemas.haansoft.com/office/presentation/8.0" kumimoji="1" lang="ko-KR" altLang="en-US" sz="2800" b="0" i="0" baseline="0" mc:Ignorable="hp" hp:hslEmbossed="0">
-              <a:solidFill>
-                <a:srgbClr val="000000">
-                  <a:alpha val="100000"/>
-                </a:srgbClr>
-              </a:solidFill>
-              <a:latin typeface="Tahoma"/>
-              <a:ea typeface="함초롬돋움"/>
-            </a:endParaRPr>
-          </a:p>
-          <a:p>
-            <a:pPr marL="263559" lvl="0" indent="-263559" algn="l" defTabSz="1028836" rtl="0" eaLnBrk="1" latinLnBrk="1" hangingPunct="1">
-              <a:lnSpc>
-                <a:spcPct val="100000"/>
-              </a:lnSpc>
-              <a:spcBef>
-                <a:spcPct val="20000"/>
-              </a:spcBef>
-              <a:spcAft>
-                <a:spcPct val="0"/>
-              </a:spcAft>
-              <a:buClr>
-                <a:srgbClr val="262626">
-                  <a:alpha val="100000"/>
-                </a:srgbClr>
-              </a:buClr>
-              <a:buSzPct val="70000"/>
-              <a:buFont typeface="Wingdings"/>
-              <a:buChar char="l"/>
-              <a:defRPr/>
-            </a:pPr>
-            <a:r>
-              <a:rPr xmlns:mc="http://schemas.openxmlformats.org/markup-compatibility/2006" xmlns:hp="http://schemas.haansoft.com/office/presentation/8.0" kumimoji="1" lang="ko-KR" altLang="en-US" sz="2800" b="0" i="0" baseline="0" mc:Ignorable="hp" hp:hslEmbossed="0">
-                <a:solidFill>
-                  <a:srgbClr val="000000">
-                    <a:alpha val="100000"/>
-                  </a:srgbClr>
-                </a:solidFill>
-                <a:latin typeface="Tahoma"/>
-                <a:ea typeface="함초롬돋움"/>
-              </a:rPr>
-              <a:t>게임 시스템 : </a:t>
-            </a:r>
-            <a:endParaRPr xmlns:mc="http://schemas.openxmlformats.org/markup-compatibility/2006" xmlns:hp="http://schemas.haansoft.com/office/presentation/8.0" kumimoji="1" lang="ko-KR" altLang="en-US" sz="2800" b="0" i="0" baseline="0" mc:Ignorable="hp" hp:hslEmbossed="0">
-              <a:solidFill>
-                <a:srgbClr val="000000">
-                  <a:alpha val="100000"/>
-                </a:srgbClr>
-              </a:solidFill>
-              <a:latin typeface="Tahoma"/>
-              <a:ea typeface="함초롬돋움"/>
-            </a:endParaRPr>
-          </a:p>
-          <a:p>
-            <a:pPr marL="263559" lvl="0" indent="-263559" algn="l" defTabSz="1028836" rtl="0" eaLnBrk="1" latinLnBrk="1" hangingPunct="1">
-              <a:lnSpc>
-                <a:spcPct val="100000"/>
-              </a:lnSpc>
-              <a:spcBef>
-                <a:spcPct val="20000"/>
-              </a:spcBef>
-              <a:spcAft>
-                <a:spcPct val="0"/>
-              </a:spcAft>
-              <a:buClr>
-                <a:srgbClr val="262626">
-                  <a:alpha val="100000"/>
-                </a:srgbClr>
-              </a:buClr>
-              <a:buSzPct val="70000"/>
-              <a:buFont typeface="Wingdings"/>
-              <a:buChar char="l"/>
-              <a:defRPr/>
-            </a:pPr>
-            <a:r>
-              <a:rPr xmlns:mc="http://schemas.openxmlformats.org/markup-compatibility/2006" xmlns:hp="http://schemas.haansoft.com/office/presentation/8.0" kumimoji="1" lang="ko-KR" altLang="en-US" sz="2800" b="0" i="0" baseline="0" mc:Ignorable="hp" hp:hslEmbossed="0">
-                <a:solidFill>
-                  <a:srgbClr val="000000">
-                    <a:alpha val="100000"/>
-                  </a:srgbClr>
-                </a:solidFill>
-                <a:latin typeface="Tahoma"/>
-                <a:ea typeface="함초롬돋움"/>
-              </a:rPr>
-              <a:t>스테이지 별로 난이도가 상승하는 구조 + 일정 스테이지를 클리어하면 주인공의 공격 패턴에 변화를 줄 예정(총알이 산탄으로 발사 성능 향상)</a:t>
-            </a:r>
-            <a:endParaRPr xmlns:mc="http://schemas.openxmlformats.org/markup-compatibility/2006" xmlns:hp="http://schemas.haansoft.com/office/presentation/8.0" kumimoji="1" lang="ko-KR" altLang="en-US" sz="2800" b="0" i="0" baseline="0" mc:Ignorable="hp" hp:hslEmbossed="0">
-              <a:solidFill>
-                <a:srgbClr val="000000">
-                  <a:alpha val="100000"/>
-                </a:srgbClr>
-              </a:solidFill>
-              <a:latin typeface="Tahoma"/>
-              <a:ea typeface="함초롬돋움"/>
-            </a:endParaRPr>
-          </a:p>
-          <a:p>
-            <a:pPr marL="263559" lvl="0" indent="-263559" algn="l" defTabSz="1028836" rtl="0" eaLnBrk="1" latinLnBrk="1" hangingPunct="1">
-              <a:lnSpc>
-                <a:spcPct val="100000"/>
-              </a:lnSpc>
-              <a:spcBef>
-                <a:spcPct val="20000"/>
-              </a:spcBef>
-              <a:spcAft>
-                <a:spcPct val="0"/>
-              </a:spcAft>
-              <a:buClr>
-                <a:srgbClr val="262626">
-                  <a:alpha val="100000"/>
-                </a:srgbClr>
-              </a:buClr>
-              <a:buSzPct val="70000"/>
-              <a:buFont typeface="Wingdings"/>
-              <a:buChar char="l"/>
-              <a:defRPr/>
-            </a:pPr>
             <a:endParaRPr xmlns:mc="http://schemas.openxmlformats.org/markup-compatibility/2006" xmlns:hp="http://schemas.haansoft.com/office/presentation/8.0" kumimoji="1" lang="ko-KR" altLang="en-US" sz="2800" b="0" i="0" baseline="0" mc:Ignorable="hp" hp:hslEmbossed="0">
               <a:solidFill>
                 <a:srgbClr val="000000">
